--- a/documents/Presentation1.pptx
+++ b/documents/Presentation1.pptx
@@ -104,6 +104,11 @@
       </a:defRPr>
     </a:lvl9pPr>
   </p:defaultTextStyle>
+  <p:extLst>
+    <p:ext uri="{EFAFB233-063F-42B5-8137-9DF3F51BA10A}">
+      <p15:sldGuideLst xmlns:p15="http://schemas.microsoft.com/office/powerpoint/2012/main"/>
+    </p:ext>
+  </p:extLst>
 </p:presentation>
 </file>
 
@@ -254,7 +259,7 @@
           <a:p>
             <a:fld id="{9E3F48CF-2174-450A-B121-6BD36B76CBA9}" type="datetimeFigureOut">
               <a:rPr lang="en-US" smtClean="0"/>
-              <a:t>2/17/2021</a:t>
+              <a:t>2/25/2021</a:t>
             </a:fld>
             <a:endParaRPr lang="en-US"/>
           </a:p>
@@ -452,7 +457,7 @@
           <a:p>
             <a:fld id="{9E3F48CF-2174-450A-B121-6BD36B76CBA9}" type="datetimeFigureOut">
               <a:rPr lang="en-US" smtClean="0"/>
-              <a:t>2/17/2021</a:t>
+              <a:t>2/25/2021</a:t>
             </a:fld>
             <a:endParaRPr lang="en-US"/>
           </a:p>
@@ -660,7 +665,7 @@
           <a:p>
             <a:fld id="{9E3F48CF-2174-450A-B121-6BD36B76CBA9}" type="datetimeFigureOut">
               <a:rPr lang="en-US" smtClean="0"/>
-              <a:t>2/17/2021</a:t>
+              <a:t>2/25/2021</a:t>
             </a:fld>
             <a:endParaRPr lang="en-US"/>
           </a:p>
@@ -858,7 +863,7 @@
           <a:p>
             <a:fld id="{9E3F48CF-2174-450A-B121-6BD36B76CBA9}" type="datetimeFigureOut">
               <a:rPr lang="en-US" smtClean="0"/>
-              <a:t>2/17/2021</a:t>
+              <a:t>2/25/2021</a:t>
             </a:fld>
             <a:endParaRPr lang="en-US"/>
           </a:p>
@@ -1133,7 +1138,7 @@
           <a:p>
             <a:fld id="{9E3F48CF-2174-450A-B121-6BD36B76CBA9}" type="datetimeFigureOut">
               <a:rPr lang="en-US" smtClean="0"/>
-              <a:t>2/17/2021</a:t>
+              <a:t>2/25/2021</a:t>
             </a:fld>
             <a:endParaRPr lang="en-US"/>
           </a:p>
@@ -1398,7 +1403,7 @@
           <a:p>
             <a:fld id="{9E3F48CF-2174-450A-B121-6BD36B76CBA9}" type="datetimeFigureOut">
               <a:rPr lang="en-US" smtClean="0"/>
-              <a:t>2/17/2021</a:t>
+              <a:t>2/25/2021</a:t>
             </a:fld>
             <a:endParaRPr lang="en-US"/>
           </a:p>
@@ -1810,7 +1815,7 @@
           <a:p>
             <a:fld id="{9E3F48CF-2174-450A-B121-6BD36B76CBA9}" type="datetimeFigureOut">
               <a:rPr lang="en-US" smtClean="0"/>
-              <a:t>2/17/2021</a:t>
+              <a:t>2/25/2021</a:t>
             </a:fld>
             <a:endParaRPr lang="en-US"/>
           </a:p>
@@ -1951,7 +1956,7 @@
           <a:p>
             <a:fld id="{9E3F48CF-2174-450A-B121-6BD36B76CBA9}" type="datetimeFigureOut">
               <a:rPr lang="en-US" smtClean="0"/>
-              <a:t>2/17/2021</a:t>
+              <a:t>2/25/2021</a:t>
             </a:fld>
             <a:endParaRPr lang="en-US"/>
           </a:p>
@@ -2064,7 +2069,7 @@
           <a:p>
             <a:fld id="{9E3F48CF-2174-450A-B121-6BD36B76CBA9}" type="datetimeFigureOut">
               <a:rPr lang="en-US" smtClean="0"/>
-              <a:t>2/17/2021</a:t>
+              <a:t>2/25/2021</a:t>
             </a:fld>
             <a:endParaRPr lang="en-US"/>
           </a:p>
@@ -2375,7 +2380,7 @@
           <a:p>
             <a:fld id="{9E3F48CF-2174-450A-B121-6BD36B76CBA9}" type="datetimeFigureOut">
               <a:rPr lang="en-US" smtClean="0"/>
-              <a:t>2/17/2021</a:t>
+              <a:t>2/25/2021</a:t>
             </a:fld>
             <a:endParaRPr lang="en-US"/>
           </a:p>
@@ -2663,7 +2668,7 @@
           <a:p>
             <a:fld id="{9E3F48CF-2174-450A-B121-6BD36B76CBA9}" type="datetimeFigureOut">
               <a:rPr lang="en-US" smtClean="0"/>
-              <a:t>2/17/2021</a:t>
+              <a:t>2/25/2021</a:t>
             </a:fld>
             <a:endParaRPr lang="en-US"/>
           </a:p>
@@ -2904,7 +2909,7 @@
           <a:p>
             <a:fld id="{9E3F48CF-2174-450A-B121-6BD36B76CBA9}" type="datetimeFigureOut">
               <a:rPr lang="en-US" smtClean="0"/>
-              <a:t>2/17/2021</a:t>
+              <a:t>2/25/2021</a:t>
             </a:fld>
             <a:endParaRPr lang="en-US"/>
           </a:p>
@@ -3323,10 +3328,10 @@
       </p:grpSpPr>
       <p:grpSp>
         <p:nvGrpSpPr>
-          <p:cNvPr id="12" name="Group 11">
-            <a:extLst>
-              <a:ext uri="{FF2B5EF4-FFF2-40B4-BE49-F238E27FC236}">
-                <a16:creationId xmlns:a16="http://schemas.microsoft.com/office/drawing/2014/main" id="{97C9ECB2-5D39-4A0E-B677-BC8AA599D740}"/>
+          <p:cNvPr id="2" name="Group 1">
+            <a:extLst>
+              <a:ext uri="{FF2B5EF4-FFF2-40B4-BE49-F238E27FC236}">
+                <a16:creationId xmlns:a16="http://schemas.microsoft.com/office/drawing/2014/main" id="{88CC6203-7E5A-4E7B-A9FA-84D58FD1F6E9}"/>
               </a:ext>
             </a:extLst>
           </p:cNvPr>
@@ -3335,94 +3340,180 @@
         </p:nvGrpSpPr>
         <p:grpSpPr>
           <a:xfrm>
-            <a:off x="785667" y="313508"/>
-            <a:ext cx="8781351" cy="3318859"/>
-            <a:chOff x="785667" y="313508"/>
-            <a:chExt cx="8781351" cy="3318859"/>
+            <a:off x="785667" y="339634"/>
+            <a:ext cx="8781351" cy="3468244"/>
+            <a:chOff x="785667" y="339634"/>
+            <a:chExt cx="8781351" cy="3468244"/>
           </a:xfrm>
         </p:grpSpPr>
-        <p:pic>
-          <p:nvPicPr>
-            <p:cNvPr id="8" name="Picture 7" descr="Logo, company name&#10;&#10;Description automatically generated">
+        <p:grpSp>
+          <p:nvGrpSpPr>
+            <p:cNvPr id="12" name="Group 11">
               <a:extLst>
                 <a:ext uri="{FF2B5EF4-FFF2-40B4-BE49-F238E27FC236}">
-                  <a16:creationId xmlns:a16="http://schemas.microsoft.com/office/drawing/2014/main" id="{3E59907A-420C-4B3A-BEEC-BE8E24E6ED22}"/>
+                  <a16:creationId xmlns:a16="http://schemas.microsoft.com/office/drawing/2014/main" id="{97C9ECB2-5D39-4A0E-B677-BC8AA599D740}"/>
                 </a:ext>
               </a:extLst>
             </p:cNvPr>
-            <p:cNvPicPr>
-              <a:picLocks noChangeAspect="1"/>
-            </p:cNvPicPr>
+            <p:cNvGrpSpPr/>
             <p:nvPr/>
-          </p:nvPicPr>
-          <p:blipFill>
-            <a:blip r:embed="rId2">
-              <a:duotone>
-                <a:schemeClr val="accent1">
-                  <a:shade val="45000"/>
-                  <a:satMod val="135000"/>
-                </a:schemeClr>
-                <a:prstClr val="white"/>
-              </a:duotone>
-              <a:extLst>
-                <a:ext uri="{BEBA8EAE-BF5A-486C-A8C5-ECC9F3942E4B}">
-                  <a14:imgProps xmlns:a14="http://schemas.microsoft.com/office/drawing/2010/main">
-                    <a14:imgLayer r:embed="rId3">
-                      <a14:imgEffect>
-                        <a14:backgroundRemoval t="10000" b="90000" l="10000" r="90000">
-                          <a14:foregroundMark x1="21790" y1="53994" x2="21790" y2="53994"/>
-                          <a14:foregroundMark x1="44994" y1="45367" x2="44994" y2="45367"/>
-                          <a14:foregroundMark x1="52532" y1="49840" x2="52532" y2="49840"/>
-                          <a14:foregroundMark x1="56655" y1="50799" x2="56655" y2="50799"/>
-                          <a14:foregroundMark x1="63604" y1="48882" x2="63604" y2="48882"/>
-                          <a14:foregroundMark x1="67020" y1="49840" x2="67020" y2="49840"/>
-                          <a14:foregroundMark x1="30153" y1="66134" x2="30153" y2="66134"/>
-                          <a14:foregroundMark x1="33804" y1="65495" x2="33804" y2="65495"/>
-                          <a14:foregroundMark x1="39929" y1="64217" x2="39929" y2="64217"/>
-                          <a14:foregroundMark x1="46290" y1="64217" x2="46290" y2="64217"/>
-                          <a14:foregroundMark x1="51472" y1="62939" x2="51472" y2="62939"/>
-                          <a14:foregroundMark x1="57833" y1="61981" x2="57833" y2="61981"/>
-                          <a14:foregroundMark x1="65135" y1="64537" x2="65135" y2="64537"/>
-                          <a14:foregroundMark x1="68433" y1="61981" x2="68433" y2="61981"/>
-                          <a14:backgroundMark x1="63722" y1="44089" x2="63722" y2="44089"/>
-                          <a14:backgroundMark x1="53121" y1="47284" x2="53121" y2="47284"/>
-                          <a14:backgroundMark x1="69140" y1="65815" x2="69140" y2="65815"/>
-                        </a14:backgroundRemoval>
-                      </a14:imgEffect>
-                      <a14:imgEffect>
-                        <a14:artisticCement/>
-                      </a14:imgEffect>
-                      <a14:imgEffect>
-                        <a14:saturation sat="400000"/>
-                      </a14:imgEffect>
-                    </a14:imgLayer>
-                  </a14:imgProps>
-                </a:ext>
-                <a:ext uri="{28A0092B-C50C-407E-A947-70E740481C1C}">
-                  <a14:useLocalDpi xmlns:a14="http://schemas.microsoft.com/office/drawing/2010/main" val="0"/>
-                </a:ext>
-              </a:extLst>
-            </a:blip>
-            <a:stretch>
-              <a:fillRect/>
-            </a:stretch>
-          </p:blipFill>
-          <p:spPr>
+          </p:nvGrpSpPr>
+          <p:grpSpPr>
             <a:xfrm>
-              <a:off x="785667" y="313508"/>
-              <a:ext cx="8781351" cy="3237412"/>
+              <a:off x="785667" y="339634"/>
+              <a:ext cx="8781351" cy="3468244"/>
+              <a:chOff x="785667" y="313508"/>
+              <a:chExt cx="8781351" cy="3468244"/>
             </a:xfrm>
-            <a:prstGeom prst="rect">
-              <a:avLst/>
-            </a:prstGeom>
-          </p:spPr>
-        </p:pic>
+          </p:grpSpPr>
+          <p:pic>
+            <p:nvPicPr>
+              <p:cNvPr id="8" name="Picture 7" descr="Logo, company name&#10;&#10;Description automatically generated">
+                <a:extLst>
+                  <a:ext uri="{FF2B5EF4-FFF2-40B4-BE49-F238E27FC236}">
+                    <a16:creationId xmlns:a16="http://schemas.microsoft.com/office/drawing/2014/main" id="{3E59907A-420C-4B3A-BEEC-BE8E24E6ED22}"/>
+                  </a:ext>
+                </a:extLst>
+              </p:cNvPr>
+              <p:cNvPicPr>
+                <a:picLocks noChangeAspect="1"/>
+              </p:cNvPicPr>
+              <p:nvPr/>
+            </p:nvPicPr>
+            <p:blipFill>
+              <a:blip r:embed="rId2">
+                <a:duotone>
+                  <a:schemeClr val="accent1">
+                    <a:shade val="45000"/>
+                    <a:satMod val="135000"/>
+                  </a:schemeClr>
+                  <a:prstClr val="white"/>
+                </a:duotone>
+                <a:extLst>
+                  <a:ext uri="{BEBA8EAE-BF5A-486C-A8C5-ECC9F3942E4B}">
+                    <a14:imgProps xmlns:a14="http://schemas.microsoft.com/office/drawing/2010/main">
+                      <a14:imgLayer r:embed="rId3">
+                        <a14:imgEffect>
+                          <a14:backgroundRemoval t="10000" b="90000" l="10000" r="90000">
+                            <a14:foregroundMark x1="21790" y1="53994" x2="21790" y2="53994"/>
+                            <a14:foregroundMark x1="44994" y1="45367" x2="44994" y2="45367"/>
+                            <a14:foregroundMark x1="52532" y1="49840" x2="52532" y2="49840"/>
+                            <a14:foregroundMark x1="56655" y1="50799" x2="56655" y2="50799"/>
+                            <a14:foregroundMark x1="63604" y1="48882" x2="63604" y2="48882"/>
+                            <a14:foregroundMark x1="67020" y1="49840" x2="67020" y2="49840"/>
+                            <a14:foregroundMark x1="30153" y1="66134" x2="30153" y2="66134"/>
+                            <a14:foregroundMark x1="33804" y1="65495" x2="33804" y2="65495"/>
+                            <a14:foregroundMark x1="39929" y1="64217" x2="39929" y2="64217"/>
+                            <a14:foregroundMark x1="46290" y1="64217" x2="46290" y2="64217"/>
+                            <a14:foregroundMark x1="51472" y1="62939" x2="51472" y2="62939"/>
+                            <a14:foregroundMark x1="57833" y1="61981" x2="57833" y2="61981"/>
+                            <a14:foregroundMark x1="65135" y1="64537" x2="65135" y2="64537"/>
+                            <a14:foregroundMark x1="68433" y1="61981" x2="68433" y2="61981"/>
+                            <a14:backgroundMark x1="63722" y1="44089" x2="63722" y2="44089"/>
+                            <a14:backgroundMark x1="53121" y1="47284" x2="53121" y2="47284"/>
+                            <a14:backgroundMark x1="69140" y1="65815" x2="69140" y2="65815"/>
+                          </a14:backgroundRemoval>
+                        </a14:imgEffect>
+                        <a14:imgEffect>
+                          <a14:artisticCement/>
+                        </a14:imgEffect>
+                        <a14:imgEffect>
+                          <a14:saturation sat="400000"/>
+                        </a14:imgEffect>
+                      </a14:imgLayer>
+                    </a14:imgProps>
+                  </a:ext>
+                  <a:ext uri="{28A0092B-C50C-407E-A947-70E740481C1C}">
+                    <a14:useLocalDpi xmlns:a14="http://schemas.microsoft.com/office/drawing/2010/main" val="0"/>
+                  </a:ext>
+                </a:extLst>
+              </a:blip>
+              <a:stretch>
+                <a:fillRect/>
+              </a:stretch>
+            </p:blipFill>
+            <p:spPr>
+              <a:xfrm>
+                <a:off x="785667" y="313508"/>
+                <a:ext cx="8781351" cy="3237412"/>
+              </a:xfrm>
+              <a:prstGeom prst="rect">
+                <a:avLst/>
+              </a:prstGeom>
+            </p:spPr>
+          </p:pic>
+          <p:sp>
+            <p:nvSpPr>
+              <p:cNvPr id="10" name="TextBox 9">
+                <a:extLst>
+                  <a:ext uri="{FF2B5EF4-FFF2-40B4-BE49-F238E27FC236}">
+                    <a16:creationId xmlns:a16="http://schemas.microsoft.com/office/drawing/2014/main" id="{DBC6A178-6268-475E-A1E2-8ECE3E99B0DA}"/>
+                  </a:ext>
+                </a:extLst>
+              </p:cNvPr>
+              <p:cNvSpPr txBox="1"/>
+              <p:nvPr/>
+            </p:nvSpPr>
+            <p:spPr>
+              <a:xfrm>
+                <a:off x="2238103" y="3320087"/>
+                <a:ext cx="4911634" cy="461665"/>
+              </a:xfrm>
+              <a:prstGeom prst="rect">
+                <a:avLst/>
+              </a:prstGeom>
+              <a:noFill/>
+            </p:spPr>
+            <p:txBody>
+              <a:bodyPr wrap="square" rtlCol="0">
+                <a:spAutoFit/>
+              </a:bodyPr>
+              <a:lstStyle/>
+              <a:p>
+                <a:pPr algn="ctr"/>
+                <a:r>
+                  <a:rPr lang="es-419" sz="2400" b="1" dirty="0">
+                    <a:solidFill>
+                      <a:schemeClr val="accent3">
+                        <a:lumMod val="20000"/>
+                        <a:lumOff val="80000"/>
+                      </a:schemeClr>
+                    </a:solidFill>
+                    <a:effectLst>
+                      <a:outerShdw blurRad="38100" dist="38100" dir="2700000" algn="tl">
+                        <a:srgbClr val="000000">
+                          <a:alpha val="43137"/>
+                        </a:srgbClr>
+                      </a:outerShdw>
+                    </a:effectLst>
+                  </a:rPr>
+                  <a:t>www.luischanci.com</a:t>
+                </a:r>
+                <a:endParaRPr lang="en-US" sz="2400" b="1" dirty="0">
+                  <a:solidFill>
+                    <a:schemeClr val="accent3">
+                      <a:lumMod val="20000"/>
+                      <a:lumOff val="80000"/>
+                    </a:schemeClr>
+                  </a:solidFill>
+                  <a:effectLst>
+                    <a:outerShdw blurRad="38100" dist="38100" dir="2700000" algn="tl">
+                      <a:srgbClr val="000000">
+                        <a:alpha val="43137"/>
+                      </a:srgbClr>
+                    </a:outerShdw>
+                  </a:effectLst>
+                </a:endParaRPr>
+              </a:p>
+            </p:txBody>
+          </p:sp>
+        </p:grpSp>
         <p:sp>
           <p:nvSpPr>
-            <p:cNvPr id="10" name="TextBox 9">
+            <p:cNvPr id="6" name="TextBox 5">
               <a:extLst>
                 <a:ext uri="{FF2B5EF4-FFF2-40B4-BE49-F238E27FC236}">
-                  <a16:creationId xmlns:a16="http://schemas.microsoft.com/office/drawing/2014/main" id="{DBC6A178-6268-475E-A1E2-8ECE3E99B0DA}"/>
+                  <a16:creationId xmlns:a16="http://schemas.microsoft.com/office/drawing/2014/main" id="{E6197DFB-9BDD-4CB6-9F15-D5010C48EF63}"/>
                 </a:ext>
               </a:extLst>
             </p:cNvPr>
@@ -3431,8 +3522,8 @@
           </p:nvSpPr>
           <p:spPr>
             <a:xfrm>
-              <a:off x="2159726" y="3170702"/>
-              <a:ext cx="4911634" cy="461665"/>
+              <a:off x="4693920" y="1121901"/>
+              <a:ext cx="2464526" cy="430887"/>
             </a:xfrm>
             <a:prstGeom prst="rect">
               <a:avLst/>
@@ -3440,14 +3531,14 @@
             <a:noFill/>
           </p:spPr>
           <p:txBody>
-            <a:bodyPr wrap="square" rtlCol="0">
+            <a:bodyPr wrap="square">
               <a:spAutoFit/>
             </a:bodyPr>
             <a:lstStyle/>
             <a:p>
               <a:pPr algn="ctr"/>
               <a:r>
-                <a:rPr lang="es-419" sz="2400" b="1" dirty="0">
+                <a:rPr lang="es-419" sz="2200" b="1" dirty="0">
                   <a:solidFill>
                     <a:schemeClr val="accent3">
                       <a:lumMod val="20000"/>
@@ -3462,9 +3553,9 @@
                     </a:outerShdw>
                   </a:effectLst>
                 </a:rPr>
-                <a:t>www.luischanci.com</a:t>
+                <a:t>FUNDAMENTOS DE</a:t>
               </a:r>
-              <a:endParaRPr lang="en-US" sz="2400" b="1" dirty="0">
+              <a:endParaRPr lang="en-US" sz="2200" b="1" dirty="0">
                 <a:solidFill>
                   <a:schemeClr val="accent3">
                     <a:lumMod val="20000"/>
